--- a/topic/0. Tutorial/images/ScreenShots-STM32CubeMX.pptx
+++ b/topic/0. Tutorial/images/ScreenShots-STM32CubeMX.pptx
@@ -20,6 +20,8 @@
     <p:sldId id="269" r:id="rId14"/>
     <p:sldId id="272" r:id="rId15"/>
     <p:sldId id="271" r:id="rId16"/>
+    <p:sldId id="274" r:id="rId17"/>
+    <p:sldId id="275" r:id="rId18"/>
   </p:sldIdLst>
   <p:sldSz cx="12758738" cy="6858000"/>
   <p:notesSz cx="6858000" cy="9144000"/>
@@ -118,6 +120,11 @@
       </a:defRPr>
     </a:lvl9pPr>
   </p:defaultTextStyle>
+  <p:extLst>
+    <p:ext uri="{EFAFB233-063F-42B5-8137-9DF3F51BA10A}">
+      <p15:sldGuideLst xmlns:p15="http://schemas.microsoft.com/office/powerpoint/2012/main"/>
+    </p:ext>
+  </p:extLst>
 </p:presentation>
 </file>
 
@@ -252,7 +259,7 @@
           <a:p>
             <a:fld id="{1D24E4E3-A1C5-4D48-9E06-3F4E92642FA0}" type="datetimeFigureOut">
               <a:rPr lang="ko-KR" altLang="en-US" smtClean="0"/>
-              <a:t>2024-08-30</a:t>
+              <a:t>2024-09-02</a:t>
             </a:fld>
             <a:endParaRPr lang="ko-KR" altLang="en-US"/>
           </a:p>
@@ -422,7 +429,7 @@
           <a:p>
             <a:fld id="{1D24E4E3-A1C5-4D48-9E06-3F4E92642FA0}" type="datetimeFigureOut">
               <a:rPr lang="ko-KR" altLang="en-US" smtClean="0"/>
-              <a:t>2024-08-30</a:t>
+              <a:t>2024-09-02</a:t>
             </a:fld>
             <a:endParaRPr lang="ko-KR" altLang="en-US"/>
           </a:p>
@@ -602,7 +609,7 @@
           <a:p>
             <a:fld id="{1D24E4E3-A1C5-4D48-9E06-3F4E92642FA0}" type="datetimeFigureOut">
               <a:rPr lang="ko-KR" altLang="en-US" smtClean="0"/>
-              <a:t>2024-08-30</a:t>
+              <a:t>2024-09-02</a:t>
             </a:fld>
             <a:endParaRPr lang="ko-KR" altLang="en-US"/>
           </a:p>
@@ -772,7 +779,7 @@
           <a:p>
             <a:fld id="{1D24E4E3-A1C5-4D48-9E06-3F4E92642FA0}" type="datetimeFigureOut">
               <a:rPr lang="ko-KR" altLang="en-US" smtClean="0"/>
-              <a:t>2024-08-30</a:t>
+              <a:t>2024-09-02</a:t>
             </a:fld>
             <a:endParaRPr lang="ko-KR" altLang="en-US"/>
           </a:p>
@@ -1018,7 +1025,7 @@
           <a:p>
             <a:fld id="{1D24E4E3-A1C5-4D48-9E06-3F4E92642FA0}" type="datetimeFigureOut">
               <a:rPr lang="ko-KR" altLang="en-US" smtClean="0"/>
-              <a:t>2024-08-30</a:t>
+              <a:t>2024-09-02</a:t>
             </a:fld>
             <a:endParaRPr lang="ko-KR" altLang="en-US"/>
           </a:p>
@@ -1250,7 +1257,7 @@
           <a:p>
             <a:fld id="{1D24E4E3-A1C5-4D48-9E06-3F4E92642FA0}" type="datetimeFigureOut">
               <a:rPr lang="ko-KR" altLang="en-US" smtClean="0"/>
-              <a:t>2024-08-30</a:t>
+              <a:t>2024-09-02</a:t>
             </a:fld>
             <a:endParaRPr lang="ko-KR" altLang="en-US"/>
           </a:p>
@@ -1617,7 +1624,7 @@
           <a:p>
             <a:fld id="{1D24E4E3-A1C5-4D48-9E06-3F4E92642FA0}" type="datetimeFigureOut">
               <a:rPr lang="ko-KR" altLang="en-US" smtClean="0"/>
-              <a:t>2024-08-30</a:t>
+              <a:t>2024-09-02</a:t>
             </a:fld>
             <a:endParaRPr lang="ko-KR" altLang="en-US"/>
           </a:p>
@@ -1735,7 +1742,7 @@
           <a:p>
             <a:fld id="{1D24E4E3-A1C5-4D48-9E06-3F4E92642FA0}" type="datetimeFigureOut">
               <a:rPr lang="ko-KR" altLang="en-US" smtClean="0"/>
-              <a:t>2024-08-30</a:t>
+              <a:t>2024-09-02</a:t>
             </a:fld>
             <a:endParaRPr lang="ko-KR" altLang="en-US"/>
           </a:p>
@@ -1830,7 +1837,7 @@
           <a:p>
             <a:fld id="{1D24E4E3-A1C5-4D48-9E06-3F4E92642FA0}" type="datetimeFigureOut">
               <a:rPr lang="ko-KR" altLang="en-US" smtClean="0"/>
-              <a:t>2024-08-30</a:t>
+              <a:t>2024-09-02</a:t>
             </a:fld>
             <a:endParaRPr lang="ko-KR" altLang="en-US"/>
           </a:p>
@@ -2107,7 +2114,7 @@
           <a:p>
             <a:fld id="{1D24E4E3-A1C5-4D48-9E06-3F4E92642FA0}" type="datetimeFigureOut">
               <a:rPr lang="ko-KR" altLang="en-US" smtClean="0"/>
-              <a:t>2024-08-30</a:t>
+              <a:t>2024-09-02</a:t>
             </a:fld>
             <a:endParaRPr lang="ko-KR" altLang="en-US"/>
           </a:p>
@@ -2364,7 +2371,7 @@
           <a:p>
             <a:fld id="{1D24E4E3-A1C5-4D48-9E06-3F4E92642FA0}" type="datetimeFigureOut">
               <a:rPr lang="ko-KR" altLang="en-US" smtClean="0"/>
-              <a:t>2024-08-30</a:t>
+              <a:t>2024-09-02</a:t>
             </a:fld>
             <a:endParaRPr lang="ko-KR" altLang="en-US"/>
           </a:p>
@@ -2577,7 +2584,7 @@
           <a:p>
             <a:fld id="{1D24E4E3-A1C5-4D48-9E06-3F4E92642FA0}" type="datetimeFigureOut">
               <a:rPr lang="ko-KR" altLang="en-US" smtClean="0"/>
-              <a:t>2024-08-30</a:t>
+              <a:t>2024-09-02</a:t>
             </a:fld>
             <a:endParaRPr lang="ko-KR" altLang="en-US"/>
           </a:p>
@@ -5327,6 +5334,114 @@
 </p:sld>
 </file>
 
+<file path=ppt/slides/slide16.xml><?xml version="1.0" encoding="utf-8"?>
+<p:sld xmlns:a="http://schemas.openxmlformats.org/drawingml/2006/main" xmlns:r="http://schemas.openxmlformats.org/officeDocument/2006/relationships" xmlns:p="http://schemas.openxmlformats.org/presentationml/2006/main">
+  <p:cSld>
+    <p:spTree>
+      <p:nvGrpSpPr>
+        <p:cNvPr id="1" name=""/>
+        <p:cNvGrpSpPr/>
+        <p:nvPr/>
+      </p:nvGrpSpPr>
+      <p:grpSpPr>
+        <a:xfrm>
+          <a:off x="0" y="0"/>
+          <a:ext cx="0" cy="0"/>
+          <a:chOff x="0" y="0"/>
+          <a:chExt cx="0" cy="0"/>
+        </a:xfrm>
+      </p:grpSpPr>
+      <p:pic>
+        <p:nvPicPr>
+          <p:cNvPr id="3" name="그림 2"/>
+          <p:cNvPicPr>
+            <a:picLocks noChangeAspect="1"/>
+          </p:cNvPicPr>
+          <p:nvPr/>
+        </p:nvPicPr>
+        <p:blipFill>
+          <a:blip r:embed="rId2"/>
+          <a:stretch>
+            <a:fillRect/>
+          </a:stretch>
+        </p:blipFill>
+        <p:spPr>
+          <a:xfrm>
+            <a:off x="3299762" y="0"/>
+            <a:ext cx="6306796" cy="6858000"/>
+          </a:xfrm>
+          <a:prstGeom prst="rect">
+            <a:avLst/>
+          </a:prstGeom>
+        </p:spPr>
+      </p:pic>
+    </p:spTree>
+    <p:extLst>
+      <p:ext uri="{BB962C8B-B14F-4D97-AF65-F5344CB8AC3E}">
+        <p14:creationId xmlns:p14="http://schemas.microsoft.com/office/powerpoint/2010/main" val="4097110149"/>
+      </p:ext>
+    </p:extLst>
+  </p:cSld>
+  <p:clrMapOvr>
+    <a:masterClrMapping/>
+  </p:clrMapOvr>
+</p:sld>
+</file>
+
+<file path=ppt/slides/slide17.xml><?xml version="1.0" encoding="utf-8"?>
+<p:sld xmlns:a="http://schemas.openxmlformats.org/drawingml/2006/main" xmlns:r="http://schemas.openxmlformats.org/officeDocument/2006/relationships" xmlns:p="http://schemas.openxmlformats.org/presentationml/2006/main">
+  <p:cSld>
+    <p:spTree>
+      <p:nvGrpSpPr>
+        <p:cNvPr id="1" name=""/>
+        <p:cNvGrpSpPr/>
+        <p:nvPr/>
+      </p:nvGrpSpPr>
+      <p:grpSpPr>
+        <a:xfrm>
+          <a:off x="0" y="0"/>
+          <a:ext cx="0" cy="0"/>
+          <a:chOff x="0" y="0"/>
+          <a:chExt cx="0" cy="0"/>
+        </a:xfrm>
+      </p:grpSpPr>
+      <p:pic>
+        <p:nvPicPr>
+          <p:cNvPr id="3" name="그림 2"/>
+          <p:cNvPicPr>
+            <a:picLocks noChangeAspect="1"/>
+          </p:cNvPicPr>
+          <p:nvPr/>
+        </p:nvPicPr>
+        <p:blipFill>
+          <a:blip r:embed="rId2"/>
+          <a:stretch>
+            <a:fillRect/>
+          </a:stretch>
+        </p:blipFill>
+        <p:spPr>
+          <a:xfrm>
+            <a:off x="-332" y="0"/>
+            <a:ext cx="12759070" cy="6858000"/>
+          </a:xfrm>
+          <a:prstGeom prst="rect">
+            <a:avLst/>
+          </a:prstGeom>
+        </p:spPr>
+      </p:pic>
+    </p:spTree>
+    <p:extLst>
+      <p:ext uri="{BB962C8B-B14F-4D97-AF65-F5344CB8AC3E}">
+        <p14:creationId xmlns:p14="http://schemas.microsoft.com/office/powerpoint/2010/main" val="1433777183"/>
+      </p:ext>
+    </p:extLst>
+  </p:cSld>
+  <p:clrMapOvr>
+    <a:masterClrMapping/>
+  </p:clrMapOvr>
+</p:sld>
+</file>
+
 <file path=ppt/slides/slide2.xml><?xml version="1.0" encoding="utf-8"?>
 <p:sld xmlns:a="http://schemas.openxmlformats.org/drawingml/2006/main" xmlns:r="http://schemas.openxmlformats.org/officeDocument/2006/relationships" xmlns:p="http://schemas.openxmlformats.org/presentationml/2006/main">
   <p:cSld>
